--- a/Курсовая FAST API/Для отчета/ШумахерМЕ/Шумахер_ИКБО-20-22_презентация.pptx
+++ b/Курсовая FAST API/Для отчета/ШумахерМЕ/Шумахер_ИКБО-20-22_презентация.pptx
@@ -207,7 +207,7 @@
           <a:p>
             <a:fld id="{638D685D-C9E2-40A6-AB71-6E6E8C049569}" type="datetimeFigureOut">
               <a:rPr lang="ru-RU" smtClean="0"/>
-              <a:t>13.05.2025</a:t>
+              <a:t>19.05.2025</a:t>
             </a:fld>
             <a:endParaRPr lang="ru-RU"/>
           </a:p>
@@ -2180,7 +2180,7 @@
         <p:spPr>
           <a:xfrm>
             <a:off x="923544" y="589026"/>
-            <a:ext cx="10192512" cy="5023491"/>
+            <a:ext cx="10192512" cy="4607993"/>
           </a:xfrm>
           <a:prstGeom prst="rect">
             <a:avLst/>
@@ -2242,7 +2242,7 @@
                 <a:ea typeface="Calibri" panose="020F0502020204030204" pitchFamily="34" charset="0"/>
                 <a:cs typeface="Times New Roman" panose="02020603050405020304" pitchFamily="18" charset="0"/>
               </a:rPr>
-              <a:t>нализ, проектирование и реализация серверной части приложения для мониторинга здоровья пользователей.</a:t>
+              <a:t>нализ, проектирование и реализация серверной части приложения для резервирования билетов.</a:t>
             </a:r>
             <a:endParaRPr lang="ru-RU" sz="1800" dirty="0">
               <a:effectLst/>
@@ -3052,7 +3052,7 @@
                 <a:latin typeface="Times New Roman" panose="02020603050405020304" pitchFamily="18" charset="0"/>
                 <a:cs typeface="Times New Roman" panose="02020603050405020304" pitchFamily="18" charset="0"/>
               </a:rPr>
-              <a:t>Монолит</a:t>
+              <a:t>Клиент-сервер</a:t>
             </a:r>
           </a:p>
           <a:p>
